--- a/presentations/3_sampling/sampling_cLHS_example/cLHS_sampling_R_example.pptx
+++ b/presentations/3_sampling/sampling_cLHS_example/cLHS_sampling_R_example.pptx
@@ -5,7 +5,7 @@
     <p:sldMasterId id="2147483648" r:id="rId1"/>
   </p:sldMasterIdLst>
   <p:notesMasterIdLst>
-    <p:notesMasterId r:id="rId19"/>
+    <p:notesMasterId r:id="rId17"/>
   </p:notesMasterIdLst>
   <p:sldIdLst>
     <p:sldId id="281" r:id="rId2"/>
@@ -21,15 +21,13 @@
     <p:sldId id="295" r:id="rId12"/>
     <p:sldId id="300" r:id="rId13"/>
     <p:sldId id="294" r:id="rId14"/>
-    <p:sldId id="293" r:id="rId15"/>
-    <p:sldId id="292" r:id="rId16"/>
-    <p:sldId id="291" r:id="rId17"/>
-    <p:sldId id="298" r:id="rId18"/>
+    <p:sldId id="291" r:id="rId15"/>
+    <p:sldId id="298" r:id="rId16"/>
   </p:sldIdLst>
   <p:sldSz cx="9144000" cy="6858000" type="screen4x3"/>
   <p:notesSz cx="6858000" cy="9144000"/>
   <p:custDataLst>
-    <p:tags r:id="rId20"/>
+    <p:tags r:id="rId18"/>
   </p:custDataLst>
   <p:defaultTextStyle>
     <a:defPPr>
@@ -228,7 +226,7 @@
             <a:fld id="{333390A1-EFA7-4975-B307-3ED18211B739}" type="datetimeFigureOut">
               <a:rPr lang="en-US" smtClean="0"/>
               <a:pPr/>
-              <a:t>3/4/2016</a:t>
+              <a:t>12/7/2016</a:t>
             </a:fld>
             <a:endParaRPr lang="en-US"/>
           </a:p>
@@ -687,7 +685,7 @@
             <a:fld id="{1F541AB0-5ECD-4F0C-8435-DFC39302280B}" type="datetimeFigureOut">
               <a:rPr lang="en-US" smtClean="0"/>
               <a:pPr/>
-              <a:t>3/4/2016</a:t>
+              <a:t>12/7/2016</a:t>
             </a:fld>
             <a:endParaRPr lang="en-US"/>
           </a:p>
@@ -859,7 +857,7 @@
             <a:fld id="{1F541AB0-5ECD-4F0C-8435-DFC39302280B}" type="datetimeFigureOut">
               <a:rPr lang="en-US" smtClean="0"/>
               <a:pPr/>
-              <a:t>3/4/2016</a:t>
+              <a:t>12/7/2016</a:t>
             </a:fld>
             <a:endParaRPr lang="en-US"/>
           </a:p>
@@ -1041,7 +1039,7 @@
             <a:fld id="{1F541AB0-5ECD-4F0C-8435-DFC39302280B}" type="datetimeFigureOut">
               <a:rPr lang="en-US" smtClean="0"/>
               <a:pPr/>
-              <a:t>3/4/2016</a:t>
+              <a:t>12/7/2016</a:t>
             </a:fld>
             <a:endParaRPr lang="en-US"/>
           </a:p>
@@ -1213,7 +1211,7 @@
             <a:fld id="{1F541AB0-5ECD-4F0C-8435-DFC39302280B}" type="datetimeFigureOut">
               <a:rPr lang="en-US" smtClean="0"/>
               <a:pPr/>
-              <a:t>3/4/2016</a:t>
+              <a:t>12/7/2016</a:t>
             </a:fld>
             <a:endParaRPr lang="en-US"/>
           </a:p>
@@ -1461,7 +1459,7 @@
             <a:fld id="{1F541AB0-5ECD-4F0C-8435-DFC39302280B}" type="datetimeFigureOut">
               <a:rPr lang="en-US" smtClean="0"/>
               <a:pPr/>
-              <a:t>3/4/2016</a:t>
+              <a:t>12/7/2016</a:t>
             </a:fld>
             <a:endParaRPr lang="en-US"/>
           </a:p>
@@ -1751,7 +1749,7 @@
             <a:fld id="{1F541AB0-5ECD-4F0C-8435-DFC39302280B}" type="datetimeFigureOut">
               <a:rPr lang="en-US" smtClean="0"/>
               <a:pPr/>
-              <a:t>3/4/2016</a:t>
+              <a:t>12/7/2016</a:t>
             </a:fld>
             <a:endParaRPr lang="en-US"/>
           </a:p>
@@ -2175,7 +2173,7 @@
             <a:fld id="{1F541AB0-5ECD-4F0C-8435-DFC39302280B}" type="datetimeFigureOut">
               <a:rPr lang="en-US" smtClean="0"/>
               <a:pPr/>
-              <a:t>3/4/2016</a:t>
+              <a:t>12/7/2016</a:t>
             </a:fld>
             <a:endParaRPr lang="en-US"/>
           </a:p>
@@ -2295,7 +2293,7 @@
             <a:fld id="{1F541AB0-5ECD-4F0C-8435-DFC39302280B}" type="datetimeFigureOut">
               <a:rPr lang="en-US" smtClean="0"/>
               <a:pPr/>
-              <a:t>3/4/2016</a:t>
+              <a:t>12/7/2016</a:t>
             </a:fld>
             <a:endParaRPr lang="en-US"/>
           </a:p>
@@ -2392,7 +2390,7 @@
             <a:fld id="{1F541AB0-5ECD-4F0C-8435-DFC39302280B}" type="datetimeFigureOut">
               <a:rPr lang="en-US" smtClean="0"/>
               <a:pPr/>
-              <a:t>3/4/2016</a:t>
+              <a:t>12/7/2016</a:t>
             </a:fld>
             <a:endParaRPr lang="en-US"/>
           </a:p>
@@ -2671,7 +2669,7 @@
             <a:fld id="{1F541AB0-5ECD-4F0C-8435-DFC39302280B}" type="datetimeFigureOut">
               <a:rPr lang="en-US" smtClean="0"/>
               <a:pPr/>
-              <a:t>3/4/2016</a:t>
+              <a:t>12/7/2016</a:t>
             </a:fld>
             <a:endParaRPr lang="en-US"/>
           </a:p>
@@ -2926,7 +2924,7 @@
             <a:fld id="{1F541AB0-5ECD-4F0C-8435-DFC39302280B}" type="datetimeFigureOut">
               <a:rPr lang="en-US" smtClean="0"/>
               <a:pPr/>
-              <a:t>3/4/2016</a:t>
+              <a:t>12/7/2016</a:t>
             </a:fld>
             <a:endParaRPr lang="en-US"/>
           </a:p>
@@ -3141,7 +3139,7 @@
             <a:fld id="{1F541AB0-5ECD-4F0C-8435-DFC39302280B}" type="datetimeFigureOut">
               <a:rPr lang="en-US" smtClean="0"/>
               <a:pPr/>
-              <a:t>3/4/2016</a:t>
+              <a:t>12/7/2016</a:t>
             </a:fld>
             <a:endParaRPr lang="en-US"/>
           </a:p>
@@ -5670,14 +5668,62 @@
       </p:sp>
       <p:sp>
         <p:nvSpPr>
+          <p:cNvPr id="5" name="Rectangle 4"/>
+          <p:cNvSpPr/>
+          <p:nvPr/>
+        </p:nvSpPr>
+        <p:spPr>
+          <a:xfrm>
+            <a:off x="381000" y="1905000"/>
+            <a:ext cx="4419600" cy="990600"/>
+          </a:xfrm>
+          <a:prstGeom prst="rect">
+            <a:avLst/>
+          </a:prstGeom>
+          <a:solidFill>
+            <a:schemeClr val="tx1"/>
+          </a:solidFill>
+          <a:ln>
+            <a:solidFill>
+              <a:schemeClr val="tx1"/>
+            </a:solidFill>
+          </a:ln>
+        </p:spPr>
+        <p:style>
+          <a:lnRef idx="2">
+            <a:schemeClr val="accent1">
+              <a:shade val="50000"/>
+            </a:schemeClr>
+          </a:lnRef>
+          <a:fillRef idx="1">
+            <a:schemeClr val="accent1"/>
+          </a:fillRef>
+          <a:effectRef idx="0">
+            <a:schemeClr val="accent1"/>
+          </a:effectRef>
+          <a:fontRef idx="minor">
+            <a:schemeClr val="lt1"/>
+          </a:fontRef>
+        </p:style>
+        <p:txBody>
+          <a:bodyPr rtlCol="0" anchor="ctr"/>
+          <a:lstStyle/>
+          <a:p>
+            <a:pPr algn="ctr"/>
+            <a:endParaRPr lang="en-US"/>
+          </a:p>
+        </p:txBody>
+      </p:sp>
+      <p:sp>
+        <p:nvSpPr>
           <p:cNvPr id="2" name="TextBox 1"/>
           <p:cNvSpPr txBox="1"/>
           <p:nvPr/>
         </p:nvSpPr>
         <p:spPr>
           <a:xfrm>
-            <a:off x="190500" y="1371600"/>
-            <a:ext cx="8991600" cy="3970318"/>
+            <a:off x="457200" y="2063839"/>
+            <a:ext cx="3641166" cy="369332"/>
           </a:xfrm>
           <a:prstGeom prst="rect">
             <a:avLst/>
@@ -5691,138 +5737,48 @@
           <a:lstStyle/>
           <a:p>
             <a:r>
-              <a:rPr lang="en-US" dirty="0" smtClean="0"/>
-              <a:t>Sample R script</a:t>
-            </a:r>
-          </a:p>
-          <a:p>
+              <a:rPr lang="en-US" dirty="0" smtClean="0">
+                <a:hlinkClick r:id="rId2"/>
+              </a:rPr>
+              <a:t>Download and run</a:t>
+            </a:r>
+            <a:r>
+              <a:rPr lang="en-US" dirty="0">
+                <a:hlinkClick r:id="rId2"/>
+              </a:rPr>
+              <a:t> </a:t>
+            </a:r>
+            <a:r>
+              <a:rPr lang="en-US" dirty="0" smtClean="0">
+                <a:hlinkClick r:id="rId2"/>
+              </a:rPr>
+              <a:t>s</a:t>
+            </a:r>
+            <a:r>
+              <a:rPr lang="en-US" dirty="0" smtClean="0">
+                <a:hlinkClick r:id="rId2"/>
+              </a:rPr>
+              <a:t>ample </a:t>
+            </a:r>
+            <a:r>
+              <a:rPr lang="en-US" dirty="0" smtClean="0">
+                <a:hlinkClick r:id="rId2"/>
+              </a:rPr>
+              <a:t>R </a:t>
+            </a:r>
+            <a:r>
+              <a:rPr lang="en-US" dirty="0" smtClean="0">
+                <a:hlinkClick r:id="rId2"/>
+              </a:rPr>
+              <a:t>script </a:t>
+            </a:r>
+            <a:r>
+              <a:rPr lang="en-US" dirty="0" smtClean="0">
+                <a:hlinkClick r:id="rId2"/>
+              </a:rPr>
+              <a:t> </a:t>
+            </a:r>
             <a:endParaRPr lang="en-US" dirty="0" smtClean="0"/>
-          </a:p>
-          <a:p>
-            <a:r>
-              <a:rPr lang="en-US" dirty="0"/>
-              <a:t>##Step 1## </a:t>
-            </a:r>
-            <a:r>
-              <a:rPr lang="en-US" dirty="0" smtClean="0"/>
-              <a:t>add packages and Read file</a:t>
-            </a:r>
-          </a:p>
-          <a:p>
-            <a:endParaRPr lang="en-US" dirty="0" smtClean="0"/>
-          </a:p>
-          <a:p>
-            <a:r>
-              <a:rPr lang="en-US" dirty="0" smtClean="0"/>
-              <a:t>require(</a:t>
-            </a:r>
-            <a:r>
-              <a:rPr lang="en-US" dirty="0" err="1" smtClean="0"/>
-              <a:t>clhs</a:t>
-            </a:r>
-            <a:r>
-              <a:rPr lang="en-US" dirty="0"/>
-              <a:t>)</a:t>
-            </a:r>
-          </a:p>
-          <a:p>
-            <a:r>
-              <a:rPr lang="en-US" dirty="0"/>
-              <a:t>require(</a:t>
-            </a:r>
-            <a:r>
-              <a:rPr lang="en-US" dirty="0" err="1"/>
-              <a:t>sp</a:t>
-            </a:r>
-            <a:r>
-              <a:rPr lang="en-US" dirty="0"/>
-              <a:t>)</a:t>
-            </a:r>
-          </a:p>
-          <a:p>
-            <a:endParaRPr lang="en-US" dirty="0"/>
-          </a:p>
-          <a:p>
-            <a:r>
-              <a:rPr lang="en-US" dirty="0"/>
-              <a:t>Dataset &lt;- </a:t>
-            </a:r>
-            <a:r>
-              <a:rPr lang="en-US" sz="1200" dirty="0" err="1"/>
-              <a:t>read.table</a:t>
-            </a:r>
-            <a:r>
-              <a:rPr lang="en-US" sz="1200" dirty="0"/>
-              <a:t>("C:/WorkSpace/input_clhs.txt",header=TRUE, </a:t>
-            </a:r>
-            <a:r>
-              <a:rPr lang="en-US" sz="1200" dirty="0" err="1"/>
-              <a:t>sep</a:t>
-            </a:r>
-            <a:r>
-              <a:rPr lang="en-US" sz="1200" dirty="0"/>
-              <a:t>=",", </a:t>
-            </a:r>
-            <a:r>
-              <a:rPr lang="en-US" sz="1200" dirty="0" err="1"/>
-              <a:t>na.strings</a:t>
-            </a:r>
-            <a:r>
-              <a:rPr lang="en-US" sz="1200" dirty="0"/>
-              <a:t>="NA", </a:t>
-            </a:r>
-            <a:r>
-              <a:rPr lang="en-US" sz="1200" dirty="0" err="1"/>
-              <a:t>dec</a:t>
-            </a:r>
-            <a:r>
-              <a:rPr lang="en-US" sz="1200" dirty="0"/>
-              <a:t>=".", </a:t>
-            </a:r>
-            <a:r>
-              <a:rPr lang="en-US" sz="1200" dirty="0" err="1"/>
-              <a:t>strip.white</a:t>
-            </a:r>
-            <a:r>
-              <a:rPr lang="en-US" sz="1200" dirty="0"/>
-              <a:t>=TRUE)</a:t>
-            </a:r>
-          </a:p>
-          <a:p>
-            <a:endParaRPr lang="en-US" dirty="0"/>
-          </a:p>
-          <a:p>
-            <a:r>
-              <a:rPr lang="en-US" dirty="0"/>
-              <a:t>## Number of rows in </a:t>
-            </a:r>
-            <a:r>
-              <a:rPr lang="en-US" dirty="0" smtClean="0"/>
-              <a:t>frame##</a:t>
-            </a:r>
-            <a:endParaRPr lang="en-US" dirty="0"/>
-          </a:p>
-          <a:p>
-            <a:endParaRPr lang="en-US" dirty="0"/>
-          </a:p>
-          <a:p>
-            <a:r>
-              <a:rPr lang="en-US" dirty="0" err="1"/>
-              <a:t>nrow</a:t>
-            </a:r>
-            <a:r>
-              <a:rPr lang="en-US" dirty="0"/>
-              <a:t>(Dataset)</a:t>
-            </a:r>
-          </a:p>
-          <a:p>
-            <a:endParaRPr lang="en-US" dirty="0"/>
-          </a:p>
-          <a:p>
-            <a:r>
-              <a:rPr lang="en-US" dirty="0"/>
-              <a:t>attach(Dataset)</a:t>
-            </a:r>
           </a:p>
         </p:txBody>
       </p:sp>
@@ -5840,873 +5796,6 @@
 </file>
 
 <file path=ppt/slides/slide14.xml><?xml version="1.0" encoding="utf-8"?>
-<p:sld xmlns:a="http://schemas.openxmlformats.org/drawingml/2006/main" xmlns:r="http://schemas.openxmlformats.org/officeDocument/2006/relationships" xmlns:p="http://schemas.openxmlformats.org/presentationml/2006/main">
-  <p:cSld>
-    <p:spTree>
-      <p:nvGrpSpPr>
-        <p:cNvPr id="1" name=""/>
-        <p:cNvGrpSpPr/>
-        <p:nvPr/>
-      </p:nvGrpSpPr>
-      <p:grpSpPr>
-        <a:xfrm>
-          <a:off x="0" y="0"/>
-          <a:ext cx="0" cy="0"/>
-          <a:chOff x="0" y="0"/>
-          <a:chExt cx="0" cy="0"/>
-        </a:xfrm>
-      </p:grpSpPr>
-      <p:sp>
-        <p:nvSpPr>
-          <p:cNvPr id="3" name="Title 3"/>
-          <p:cNvSpPr>
-            <a:spLocks noGrp="1"/>
-          </p:cNvSpPr>
-          <p:nvPr>
-            <p:ph type="title"/>
-          </p:nvPr>
-        </p:nvSpPr>
-        <p:spPr/>
-        <p:txBody>
-          <a:bodyPr>
-            <a:normAutofit/>
-          </a:bodyPr>
-          <a:lstStyle/>
-          <a:p>
-            <a:r>
-              <a:rPr lang="en-US" dirty="0" smtClean="0"/>
-              <a:t>cLHS using ArcGIS and R</a:t>
-            </a:r>
-            <a:endParaRPr lang="en-US" dirty="0"/>
-          </a:p>
-        </p:txBody>
-      </p:sp>
-      <p:sp>
-        <p:nvSpPr>
-          <p:cNvPr id="4" name="Content Placeholder 2"/>
-          <p:cNvSpPr txBox="1">
-            <a:spLocks/>
-          </p:cNvSpPr>
-          <p:nvPr/>
-        </p:nvSpPr>
-        <p:spPr>
-          <a:xfrm>
-            <a:off x="190500" y="1295400"/>
-            <a:ext cx="8763000" cy="5120640"/>
-          </a:xfrm>
-          <a:prstGeom prst="rect">
-            <a:avLst/>
-          </a:prstGeom>
-        </p:spPr>
-        <p:txBody>
-          <a:bodyPr>
-            <a:noAutofit/>
-          </a:bodyPr>
-          <a:lstStyle>
-            <a:lvl1pPr marL="342900" indent="-342900" algn="l" defTabSz="914400" rtl="0" eaLnBrk="1" latinLnBrk="0" hangingPunct="1">
-              <a:spcBef>
-                <a:spcPct val="20000"/>
-              </a:spcBef>
-              <a:buFont typeface="Arial" pitchFamily="34" charset="0"/>
-              <a:buChar char="•"/>
-              <a:defRPr sz="3200" kern="1200">
-                <a:solidFill>
-                  <a:schemeClr val="tx1"/>
-                </a:solidFill>
-                <a:effectLst>
-                  <a:outerShdw blurRad="38100" dist="38100" dir="2700000" algn="tl">
-                    <a:srgbClr val="000000">
-                      <a:alpha val="43137"/>
-                    </a:srgbClr>
-                  </a:outerShdw>
-                </a:effectLst>
-                <a:latin typeface="+mn-lt"/>
-                <a:ea typeface="+mn-ea"/>
-                <a:cs typeface="+mn-cs"/>
-              </a:defRPr>
-            </a:lvl1pPr>
-            <a:lvl2pPr marL="742950" indent="-285750" algn="l" defTabSz="914400" rtl="0" eaLnBrk="1" latinLnBrk="0" hangingPunct="1">
-              <a:spcBef>
-                <a:spcPct val="20000"/>
-              </a:spcBef>
-              <a:buFont typeface="Arial" pitchFamily="34" charset="0"/>
-              <a:buChar char="–"/>
-              <a:defRPr sz="2800" kern="1200">
-                <a:solidFill>
-                  <a:schemeClr val="tx1"/>
-                </a:solidFill>
-                <a:effectLst>
-                  <a:outerShdw blurRad="38100" dist="38100" dir="2700000" algn="tl">
-                    <a:srgbClr val="000000">
-                      <a:alpha val="43137"/>
-                    </a:srgbClr>
-                  </a:outerShdw>
-                </a:effectLst>
-                <a:latin typeface="+mn-lt"/>
-                <a:ea typeface="+mn-ea"/>
-                <a:cs typeface="+mn-cs"/>
-              </a:defRPr>
-            </a:lvl2pPr>
-            <a:lvl3pPr marL="1143000" indent="-228600" algn="l" defTabSz="914400" rtl="0" eaLnBrk="1" latinLnBrk="0" hangingPunct="1">
-              <a:spcBef>
-                <a:spcPct val="20000"/>
-              </a:spcBef>
-              <a:buFont typeface="Arial" pitchFamily="34" charset="0"/>
-              <a:buChar char="•"/>
-              <a:defRPr sz="2400" kern="1200">
-                <a:solidFill>
-                  <a:schemeClr val="tx1"/>
-                </a:solidFill>
-                <a:effectLst>
-                  <a:outerShdw blurRad="38100" dist="38100" dir="2700000" algn="tl">
-                    <a:srgbClr val="000000">
-                      <a:alpha val="43137"/>
-                    </a:srgbClr>
-                  </a:outerShdw>
-                </a:effectLst>
-                <a:latin typeface="+mn-lt"/>
-                <a:ea typeface="+mn-ea"/>
-                <a:cs typeface="+mn-cs"/>
-              </a:defRPr>
-            </a:lvl3pPr>
-            <a:lvl4pPr marL="1600200" indent="-228600" algn="l" defTabSz="914400" rtl="0" eaLnBrk="1" latinLnBrk="0" hangingPunct="1">
-              <a:spcBef>
-                <a:spcPct val="20000"/>
-              </a:spcBef>
-              <a:buFont typeface="Arial" pitchFamily="34" charset="0"/>
-              <a:buChar char="–"/>
-              <a:defRPr sz="2000" kern="1200">
-                <a:solidFill>
-                  <a:schemeClr val="tx1"/>
-                </a:solidFill>
-                <a:effectLst>
-                  <a:outerShdw blurRad="38100" dist="38100" dir="2700000" algn="tl">
-                    <a:srgbClr val="000000">
-                      <a:alpha val="43137"/>
-                    </a:srgbClr>
-                  </a:outerShdw>
-                </a:effectLst>
-                <a:latin typeface="+mn-lt"/>
-                <a:ea typeface="+mn-ea"/>
-                <a:cs typeface="+mn-cs"/>
-              </a:defRPr>
-            </a:lvl4pPr>
-            <a:lvl5pPr marL="2057400" indent="-228600" algn="l" defTabSz="914400" rtl="0" eaLnBrk="1" latinLnBrk="0" hangingPunct="1">
-              <a:spcBef>
-                <a:spcPct val="20000"/>
-              </a:spcBef>
-              <a:buFont typeface="Arial" pitchFamily="34" charset="0"/>
-              <a:buChar char="»"/>
-              <a:defRPr sz="2000" kern="1200">
-                <a:solidFill>
-                  <a:schemeClr val="tx1"/>
-                </a:solidFill>
-                <a:effectLst>
-                  <a:outerShdw blurRad="38100" dist="38100" dir="2700000" algn="tl">
-                    <a:srgbClr val="000000">
-                      <a:alpha val="43137"/>
-                    </a:srgbClr>
-                  </a:outerShdw>
-                </a:effectLst>
-                <a:latin typeface="+mn-lt"/>
-                <a:ea typeface="+mn-ea"/>
-                <a:cs typeface="+mn-cs"/>
-              </a:defRPr>
-            </a:lvl5pPr>
-            <a:lvl6pPr marL="2514600" indent="-228600" algn="l" defTabSz="914400" rtl="0" eaLnBrk="1" latinLnBrk="0" hangingPunct="1">
-              <a:spcBef>
-                <a:spcPct val="20000"/>
-              </a:spcBef>
-              <a:buFont typeface="Arial" pitchFamily="34" charset="0"/>
-              <a:buChar char="•"/>
-              <a:defRPr sz="2000" kern="1200">
-                <a:solidFill>
-                  <a:schemeClr val="tx1"/>
-                </a:solidFill>
-                <a:latin typeface="+mn-lt"/>
-                <a:ea typeface="+mn-ea"/>
-                <a:cs typeface="+mn-cs"/>
-              </a:defRPr>
-            </a:lvl6pPr>
-            <a:lvl7pPr marL="2971800" indent="-228600" algn="l" defTabSz="914400" rtl="0" eaLnBrk="1" latinLnBrk="0" hangingPunct="1">
-              <a:spcBef>
-                <a:spcPct val="20000"/>
-              </a:spcBef>
-              <a:buFont typeface="Arial" pitchFamily="34" charset="0"/>
-              <a:buChar char="•"/>
-              <a:defRPr sz="2000" kern="1200">
-                <a:solidFill>
-                  <a:schemeClr val="tx1"/>
-                </a:solidFill>
-                <a:latin typeface="+mn-lt"/>
-                <a:ea typeface="+mn-ea"/>
-                <a:cs typeface="+mn-cs"/>
-              </a:defRPr>
-            </a:lvl7pPr>
-            <a:lvl8pPr marL="3429000" indent="-228600" algn="l" defTabSz="914400" rtl="0" eaLnBrk="1" latinLnBrk="0" hangingPunct="1">
-              <a:spcBef>
-                <a:spcPct val="20000"/>
-              </a:spcBef>
-              <a:buFont typeface="Arial" pitchFamily="34" charset="0"/>
-              <a:buChar char="•"/>
-              <a:defRPr sz="2000" kern="1200">
-                <a:solidFill>
-                  <a:schemeClr val="tx1"/>
-                </a:solidFill>
-                <a:latin typeface="+mn-lt"/>
-                <a:ea typeface="+mn-ea"/>
-                <a:cs typeface="+mn-cs"/>
-              </a:defRPr>
-            </a:lvl8pPr>
-            <a:lvl9pPr marL="3886200" indent="-228600" algn="l" defTabSz="914400" rtl="0" eaLnBrk="1" latinLnBrk="0" hangingPunct="1">
-              <a:spcBef>
-                <a:spcPct val="20000"/>
-              </a:spcBef>
-              <a:buFont typeface="Arial" pitchFamily="34" charset="0"/>
-              <a:buChar char="•"/>
-              <a:defRPr sz="2000" kern="1200">
-                <a:solidFill>
-                  <a:schemeClr val="tx1"/>
-                </a:solidFill>
-                <a:latin typeface="+mn-lt"/>
-                <a:ea typeface="+mn-ea"/>
-                <a:cs typeface="+mn-cs"/>
-              </a:defRPr>
-            </a:lvl9pPr>
-          </a:lstStyle>
-          <a:p>
-            <a:pPr marL="0" indent="0">
-              <a:buNone/>
-            </a:pPr>
-            <a:endParaRPr lang="en-US" sz="2800" dirty="0" smtClean="0"/>
-          </a:p>
-          <a:p>
-            <a:endParaRPr lang="en-US" sz="2800" dirty="0" smtClean="0"/>
-          </a:p>
-          <a:p>
-            <a:endParaRPr lang="en-US" sz="2800" dirty="0"/>
-          </a:p>
-          <a:p>
-            <a:endParaRPr lang="en-US" sz="2800" dirty="0" smtClean="0"/>
-          </a:p>
-          <a:p>
-            <a:pPr marL="0" indent="0">
-              <a:buNone/>
-            </a:pPr>
-            <a:endParaRPr lang="en-US" sz="2800" dirty="0" smtClean="0"/>
-          </a:p>
-          <a:p>
-            <a:pPr marL="0" indent="0">
-              <a:buNone/>
-            </a:pPr>
-            <a:r>
-              <a:rPr lang="en-US" sz="2800" dirty="0" smtClean="0"/>
-              <a:t> </a:t>
-            </a:r>
-          </a:p>
-        </p:txBody>
-      </p:sp>
-      <p:sp>
-        <p:nvSpPr>
-          <p:cNvPr id="2" name="TextBox 1"/>
-          <p:cNvSpPr txBox="1"/>
-          <p:nvPr/>
-        </p:nvSpPr>
-        <p:spPr>
-          <a:xfrm>
-            <a:off x="190500" y="1447800"/>
-            <a:ext cx="8999130" cy="4247317"/>
-          </a:xfrm>
-          <a:prstGeom prst="rect">
-            <a:avLst/>
-          </a:prstGeom>
-          <a:noFill/>
-        </p:spPr>
-        <p:txBody>
-          <a:bodyPr wrap="none" rtlCol="0">
-            <a:spAutoFit/>
-          </a:bodyPr>
-          <a:lstStyle/>
-          <a:p>
-            <a:r>
-              <a:rPr lang="en-US" dirty="0"/>
-              <a:t>##Step 2##</a:t>
-            </a:r>
-          </a:p>
-          <a:p>
-            <a:endParaRPr lang="en-US" dirty="0"/>
-          </a:p>
-          <a:p>
-            <a:r>
-              <a:rPr lang="en-US" dirty="0"/>
-              <a:t>##</a:t>
-            </a:r>
-            <a:r>
-              <a:rPr lang="en-US" dirty="0" smtClean="0"/>
-              <a:t>Conditioned </a:t>
-            </a:r>
-            <a:r>
-              <a:rPr lang="en-US" dirty="0"/>
-              <a:t>Latin Hypercube Sampling - edit number of samples and iterations as </a:t>
-            </a:r>
-            <a:r>
-              <a:rPr lang="en-US" dirty="0" smtClean="0"/>
-              <a:t>needed</a:t>
-            </a:r>
-          </a:p>
-          <a:p>
-            <a:r>
-              <a:rPr lang="en-US" dirty="0" smtClean="0"/>
-              <a:t>## in this case, 300 samples with 1,000 iterations</a:t>
-            </a:r>
-            <a:endParaRPr lang="en-US" dirty="0"/>
-          </a:p>
-          <a:p>
-            <a:endParaRPr lang="en-US" dirty="0"/>
-          </a:p>
-          <a:p>
-            <a:r>
-              <a:rPr lang="en-US" dirty="0"/>
-              <a:t>res &lt;- </a:t>
-            </a:r>
-            <a:r>
-              <a:rPr lang="en-US" dirty="0" err="1"/>
-              <a:t>clhs</a:t>
-            </a:r>
-            <a:r>
-              <a:rPr lang="en-US" dirty="0"/>
-              <a:t>(Dataset, size = 300, </a:t>
-            </a:r>
-            <a:r>
-              <a:rPr lang="en-US" dirty="0" err="1"/>
-              <a:t>iter</a:t>
-            </a:r>
-            <a:r>
-              <a:rPr lang="en-US" dirty="0"/>
-              <a:t> = 1000, progress = FALSE, simple = FALSE)</a:t>
-            </a:r>
-          </a:p>
-          <a:p>
-            <a:endParaRPr lang="en-US" dirty="0"/>
-          </a:p>
-          <a:p>
-            <a:r>
-              <a:rPr lang="en-US" dirty="0"/>
-              <a:t>##Calls Values that will be Sampled part of the </a:t>
-            </a:r>
-            <a:r>
-              <a:rPr lang="en-US" dirty="0" err="1"/>
-              <a:t>clhs</a:t>
-            </a:r>
-            <a:r>
-              <a:rPr lang="en-US" dirty="0"/>
-              <a:t> Model for </a:t>
-            </a:r>
-            <a:r>
-              <a:rPr lang="en-US" dirty="0" err="1"/>
-              <a:t>Samplling</a:t>
-            </a:r>
-            <a:endParaRPr lang="en-US" dirty="0"/>
-          </a:p>
-          <a:p>
-            <a:endParaRPr lang="en-US" dirty="0"/>
-          </a:p>
-          <a:p>
-            <a:r>
-              <a:rPr lang="en-US" dirty="0"/>
-              <a:t>res</a:t>
-            </a:r>
-          </a:p>
-          <a:p>
-            <a:endParaRPr lang="en-US" dirty="0"/>
-          </a:p>
-          <a:p>
-            <a:r>
-              <a:rPr lang="en-US" dirty="0"/>
-              <a:t>## Plots the iterations Objective Function vs Iterations and </a:t>
-            </a:r>
-            <a:r>
-              <a:rPr lang="en-US" dirty="0" err="1"/>
-              <a:t>kernal</a:t>
-            </a:r>
-            <a:r>
-              <a:rPr lang="en-US" dirty="0"/>
-              <a:t> density of </a:t>
-            </a:r>
-            <a:endParaRPr lang="en-US" dirty="0" smtClean="0"/>
-          </a:p>
-          <a:p>
-            <a:r>
-              <a:rPr lang="en-US" dirty="0" smtClean="0"/>
-              <a:t>## Sampled </a:t>
-            </a:r>
-            <a:r>
-              <a:rPr lang="en-US" dirty="0"/>
-              <a:t>Vs. </a:t>
-            </a:r>
-            <a:r>
-              <a:rPr lang="en-US" dirty="0" smtClean="0"/>
-              <a:t>Population##</a:t>
-            </a:r>
-          </a:p>
-          <a:p>
-            <a:endParaRPr lang="en-US" dirty="0"/>
-          </a:p>
-          <a:p>
-            <a:r>
-              <a:rPr lang="en-US" dirty="0"/>
-              <a:t>plot(res, modes = c("</a:t>
-            </a:r>
-            <a:r>
-              <a:rPr lang="en-US" dirty="0" err="1"/>
-              <a:t>obj</a:t>
-            </a:r>
-            <a:r>
-              <a:rPr lang="en-US" dirty="0"/>
-              <a:t>", "dens"))</a:t>
-            </a:r>
-          </a:p>
-        </p:txBody>
-      </p:sp>
-    </p:spTree>
-    <p:extLst>
-      <p:ext uri="{BB962C8B-B14F-4D97-AF65-F5344CB8AC3E}">
-        <p14:creationId xmlns:p14="http://schemas.microsoft.com/office/powerpoint/2010/main" val="98234367"/>
-      </p:ext>
-    </p:extLst>
-  </p:cSld>
-  <p:clrMapOvr>
-    <a:masterClrMapping/>
-  </p:clrMapOvr>
-</p:sld>
-</file>
-
-<file path=ppt/slides/slide15.xml><?xml version="1.0" encoding="utf-8"?>
-<p:sld xmlns:a="http://schemas.openxmlformats.org/drawingml/2006/main" xmlns:r="http://schemas.openxmlformats.org/officeDocument/2006/relationships" xmlns:p="http://schemas.openxmlformats.org/presentationml/2006/main">
-  <p:cSld>
-    <p:spTree>
-      <p:nvGrpSpPr>
-        <p:cNvPr id="1" name=""/>
-        <p:cNvGrpSpPr/>
-        <p:nvPr/>
-      </p:nvGrpSpPr>
-      <p:grpSpPr>
-        <a:xfrm>
-          <a:off x="0" y="0"/>
-          <a:ext cx="0" cy="0"/>
-          <a:chOff x="0" y="0"/>
-          <a:chExt cx="0" cy="0"/>
-        </a:xfrm>
-      </p:grpSpPr>
-      <p:sp>
-        <p:nvSpPr>
-          <p:cNvPr id="3" name="Title 3"/>
-          <p:cNvSpPr>
-            <a:spLocks noGrp="1"/>
-          </p:cNvSpPr>
-          <p:nvPr>
-            <p:ph type="title"/>
-          </p:nvPr>
-        </p:nvSpPr>
-        <p:spPr/>
-        <p:txBody>
-          <a:bodyPr>
-            <a:normAutofit/>
-          </a:bodyPr>
-          <a:lstStyle/>
-          <a:p>
-            <a:r>
-              <a:rPr lang="en-US" dirty="0" smtClean="0"/>
-              <a:t>cLHS using ArcGIS and R</a:t>
-            </a:r>
-            <a:endParaRPr lang="en-US" dirty="0"/>
-          </a:p>
-        </p:txBody>
-      </p:sp>
-      <p:sp>
-        <p:nvSpPr>
-          <p:cNvPr id="4" name="Content Placeholder 2"/>
-          <p:cNvSpPr txBox="1">
-            <a:spLocks/>
-          </p:cNvSpPr>
-          <p:nvPr/>
-        </p:nvSpPr>
-        <p:spPr>
-          <a:xfrm>
-            <a:off x="190500" y="1295400"/>
-            <a:ext cx="8763000" cy="5120640"/>
-          </a:xfrm>
-          <a:prstGeom prst="rect">
-            <a:avLst/>
-          </a:prstGeom>
-        </p:spPr>
-        <p:txBody>
-          <a:bodyPr>
-            <a:noAutofit/>
-          </a:bodyPr>
-          <a:lstStyle>
-            <a:lvl1pPr marL="342900" indent="-342900" algn="l" defTabSz="914400" rtl="0" eaLnBrk="1" latinLnBrk="0" hangingPunct="1">
-              <a:spcBef>
-                <a:spcPct val="20000"/>
-              </a:spcBef>
-              <a:buFont typeface="Arial" pitchFamily="34" charset="0"/>
-              <a:buChar char="•"/>
-              <a:defRPr sz="3200" kern="1200">
-                <a:solidFill>
-                  <a:schemeClr val="tx1"/>
-                </a:solidFill>
-                <a:effectLst>
-                  <a:outerShdw blurRad="38100" dist="38100" dir="2700000" algn="tl">
-                    <a:srgbClr val="000000">
-                      <a:alpha val="43137"/>
-                    </a:srgbClr>
-                  </a:outerShdw>
-                </a:effectLst>
-                <a:latin typeface="+mn-lt"/>
-                <a:ea typeface="+mn-ea"/>
-                <a:cs typeface="+mn-cs"/>
-              </a:defRPr>
-            </a:lvl1pPr>
-            <a:lvl2pPr marL="742950" indent="-285750" algn="l" defTabSz="914400" rtl="0" eaLnBrk="1" latinLnBrk="0" hangingPunct="1">
-              <a:spcBef>
-                <a:spcPct val="20000"/>
-              </a:spcBef>
-              <a:buFont typeface="Arial" pitchFamily="34" charset="0"/>
-              <a:buChar char="–"/>
-              <a:defRPr sz="2800" kern="1200">
-                <a:solidFill>
-                  <a:schemeClr val="tx1"/>
-                </a:solidFill>
-                <a:effectLst>
-                  <a:outerShdw blurRad="38100" dist="38100" dir="2700000" algn="tl">
-                    <a:srgbClr val="000000">
-                      <a:alpha val="43137"/>
-                    </a:srgbClr>
-                  </a:outerShdw>
-                </a:effectLst>
-                <a:latin typeface="+mn-lt"/>
-                <a:ea typeface="+mn-ea"/>
-                <a:cs typeface="+mn-cs"/>
-              </a:defRPr>
-            </a:lvl2pPr>
-            <a:lvl3pPr marL="1143000" indent="-228600" algn="l" defTabSz="914400" rtl="0" eaLnBrk="1" latinLnBrk="0" hangingPunct="1">
-              <a:spcBef>
-                <a:spcPct val="20000"/>
-              </a:spcBef>
-              <a:buFont typeface="Arial" pitchFamily="34" charset="0"/>
-              <a:buChar char="•"/>
-              <a:defRPr sz="2400" kern="1200">
-                <a:solidFill>
-                  <a:schemeClr val="tx1"/>
-                </a:solidFill>
-                <a:effectLst>
-                  <a:outerShdw blurRad="38100" dist="38100" dir="2700000" algn="tl">
-                    <a:srgbClr val="000000">
-                      <a:alpha val="43137"/>
-                    </a:srgbClr>
-                  </a:outerShdw>
-                </a:effectLst>
-                <a:latin typeface="+mn-lt"/>
-                <a:ea typeface="+mn-ea"/>
-                <a:cs typeface="+mn-cs"/>
-              </a:defRPr>
-            </a:lvl3pPr>
-            <a:lvl4pPr marL="1600200" indent="-228600" algn="l" defTabSz="914400" rtl="0" eaLnBrk="1" latinLnBrk="0" hangingPunct="1">
-              <a:spcBef>
-                <a:spcPct val="20000"/>
-              </a:spcBef>
-              <a:buFont typeface="Arial" pitchFamily="34" charset="0"/>
-              <a:buChar char="–"/>
-              <a:defRPr sz="2000" kern="1200">
-                <a:solidFill>
-                  <a:schemeClr val="tx1"/>
-                </a:solidFill>
-                <a:effectLst>
-                  <a:outerShdw blurRad="38100" dist="38100" dir="2700000" algn="tl">
-                    <a:srgbClr val="000000">
-                      <a:alpha val="43137"/>
-                    </a:srgbClr>
-                  </a:outerShdw>
-                </a:effectLst>
-                <a:latin typeface="+mn-lt"/>
-                <a:ea typeface="+mn-ea"/>
-                <a:cs typeface="+mn-cs"/>
-              </a:defRPr>
-            </a:lvl4pPr>
-            <a:lvl5pPr marL="2057400" indent="-228600" algn="l" defTabSz="914400" rtl="0" eaLnBrk="1" latinLnBrk="0" hangingPunct="1">
-              <a:spcBef>
-                <a:spcPct val="20000"/>
-              </a:spcBef>
-              <a:buFont typeface="Arial" pitchFamily="34" charset="0"/>
-              <a:buChar char="»"/>
-              <a:defRPr sz="2000" kern="1200">
-                <a:solidFill>
-                  <a:schemeClr val="tx1"/>
-                </a:solidFill>
-                <a:effectLst>
-                  <a:outerShdw blurRad="38100" dist="38100" dir="2700000" algn="tl">
-                    <a:srgbClr val="000000">
-                      <a:alpha val="43137"/>
-                    </a:srgbClr>
-                  </a:outerShdw>
-                </a:effectLst>
-                <a:latin typeface="+mn-lt"/>
-                <a:ea typeface="+mn-ea"/>
-                <a:cs typeface="+mn-cs"/>
-              </a:defRPr>
-            </a:lvl5pPr>
-            <a:lvl6pPr marL="2514600" indent="-228600" algn="l" defTabSz="914400" rtl="0" eaLnBrk="1" latinLnBrk="0" hangingPunct="1">
-              <a:spcBef>
-                <a:spcPct val="20000"/>
-              </a:spcBef>
-              <a:buFont typeface="Arial" pitchFamily="34" charset="0"/>
-              <a:buChar char="•"/>
-              <a:defRPr sz="2000" kern="1200">
-                <a:solidFill>
-                  <a:schemeClr val="tx1"/>
-                </a:solidFill>
-                <a:latin typeface="+mn-lt"/>
-                <a:ea typeface="+mn-ea"/>
-                <a:cs typeface="+mn-cs"/>
-              </a:defRPr>
-            </a:lvl6pPr>
-            <a:lvl7pPr marL="2971800" indent="-228600" algn="l" defTabSz="914400" rtl="0" eaLnBrk="1" latinLnBrk="0" hangingPunct="1">
-              <a:spcBef>
-                <a:spcPct val="20000"/>
-              </a:spcBef>
-              <a:buFont typeface="Arial" pitchFamily="34" charset="0"/>
-              <a:buChar char="•"/>
-              <a:defRPr sz="2000" kern="1200">
-                <a:solidFill>
-                  <a:schemeClr val="tx1"/>
-                </a:solidFill>
-                <a:latin typeface="+mn-lt"/>
-                <a:ea typeface="+mn-ea"/>
-                <a:cs typeface="+mn-cs"/>
-              </a:defRPr>
-            </a:lvl7pPr>
-            <a:lvl8pPr marL="3429000" indent="-228600" algn="l" defTabSz="914400" rtl="0" eaLnBrk="1" latinLnBrk="0" hangingPunct="1">
-              <a:spcBef>
-                <a:spcPct val="20000"/>
-              </a:spcBef>
-              <a:buFont typeface="Arial" pitchFamily="34" charset="0"/>
-              <a:buChar char="•"/>
-              <a:defRPr sz="2000" kern="1200">
-                <a:solidFill>
-                  <a:schemeClr val="tx1"/>
-                </a:solidFill>
-                <a:latin typeface="+mn-lt"/>
-                <a:ea typeface="+mn-ea"/>
-                <a:cs typeface="+mn-cs"/>
-              </a:defRPr>
-            </a:lvl8pPr>
-            <a:lvl9pPr marL="3886200" indent="-228600" algn="l" defTabSz="914400" rtl="0" eaLnBrk="1" latinLnBrk="0" hangingPunct="1">
-              <a:spcBef>
-                <a:spcPct val="20000"/>
-              </a:spcBef>
-              <a:buFont typeface="Arial" pitchFamily="34" charset="0"/>
-              <a:buChar char="•"/>
-              <a:defRPr sz="2000" kern="1200">
-                <a:solidFill>
-                  <a:schemeClr val="tx1"/>
-                </a:solidFill>
-                <a:latin typeface="+mn-lt"/>
-                <a:ea typeface="+mn-ea"/>
-                <a:cs typeface="+mn-cs"/>
-              </a:defRPr>
-            </a:lvl9pPr>
-          </a:lstStyle>
-          <a:p>
-            <a:pPr marL="0" indent="0">
-              <a:buNone/>
-            </a:pPr>
-            <a:endParaRPr lang="en-US" sz="2800" dirty="0" smtClean="0"/>
-          </a:p>
-          <a:p>
-            <a:endParaRPr lang="en-US" sz="2800" dirty="0" smtClean="0"/>
-          </a:p>
-          <a:p>
-            <a:endParaRPr lang="en-US" sz="2800" dirty="0"/>
-          </a:p>
-          <a:p>
-            <a:endParaRPr lang="en-US" sz="2800" dirty="0" smtClean="0"/>
-          </a:p>
-          <a:p>
-            <a:pPr marL="0" indent="0">
-              <a:buNone/>
-            </a:pPr>
-            <a:endParaRPr lang="en-US" sz="2800" dirty="0" smtClean="0"/>
-          </a:p>
-          <a:p>
-            <a:pPr marL="0" indent="0">
-              <a:buNone/>
-            </a:pPr>
-            <a:r>
-              <a:rPr lang="en-US" sz="2800" dirty="0" smtClean="0"/>
-              <a:t> </a:t>
-            </a:r>
-          </a:p>
-        </p:txBody>
-      </p:sp>
-      <p:sp>
-        <p:nvSpPr>
-          <p:cNvPr id="5" name="TextBox 4"/>
-          <p:cNvSpPr txBox="1"/>
-          <p:nvPr/>
-        </p:nvSpPr>
-        <p:spPr>
-          <a:xfrm>
-            <a:off x="216520" y="1371600"/>
-            <a:ext cx="7804701" cy="4185761"/>
-          </a:xfrm>
-          <a:prstGeom prst="rect">
-            <a:avLst/>
-          </a:prstGeom>
-          <a:noFill/>
-        </p:spPr>
-        <p:txBody>
-          <a:bodyPr wrap="none" rtlCol="0">
-            <a:spAutoFit/>
-          </a:bodyPr>
-          <a:lstStyle/>
-          <a:p>
-            <a:r>
-              <a:rPr lang="en-US" dirty="0"/>
-              <a:t>## Interfaces Object "res" into </a:t>
-            </a:r>
-            <a:r>
-              <a:rPr lang="en-US" dirty="0" smtClean="0"/>
-              <a:t> </a:t>
-            </a:r>
-            <a:r>
-              <a:rPr lang="en-US" dirty="0"/>
-              <a:t>framework##</a:t>
-            </a:r>
-          </a:p>
-          <a:p>
-            <a:endParaRPr lang="en-US" dirty="0"/>
-          </a:p>
-          <a:p>
-            <a:r>
-              <a:rPr lang="en-US" dirty="0"/>
-              <a:t>attach(res)</a:t>
-            </a:r>
-          </a:p>
-          <a:p>
-            <a:endParaRPr lang="en-US" dirty="0"/>
-          </a:p>
-          <a:p>
-            <a:r>
-              <a:rPr lang="en-US" dirty="0"/>
-              <a:t>##creates an object "points" of the sampled data from "cLHS"</a:t>
-            </a:r>
-          </a:p>
-          <a:p>
-            <a:endParaRPr lang="en-US" dirty="0"/>
-          </a:p>
-          <a:p>
-            <a:r>
-              <a:rPr lang="en-US" dirty="0"/>
-              <a:t>point = </a:t>
-            </a:r>
-            <a:r>
-              <a:rPr lang="en-US" dirty="0" err="1"/>
-              <a:t>res$sampled_data</a:t>
-            </a:r>
-            <a:endParaRPr lang="en-US" dirty="0"/>
-          </a:p>
-          <a:p>
-            <a:endParaRPr lang="en-US" dirty="0"/>
-          </a:p>
-          <a:p>
-            <a:r>
-              <a:rPr lang="en-US" dirty="0" smtClean="0"/>
-              <a:t>##Attach record number </a:t>
-            </a:r>
-            <a:r>
-              <a:rPr lang="en-US" dirty="0"/>
-              <a:t>to </a:t>
-            </a:r>
-            <a:r>
-              <a:rPr lang="en-US" dirty="0" smtClean="0"/>
-              <a:t>data </a:t>
-            </a:r>
-            <a:r>
-              <a:rPr lang="en-US" dirty="0"/>
-              <a:t>from the "points" object</a:t>
-            </a:r>
-          </a:p>
-          <a:p>
-            <a:endParaRPr lang="en-US" dirty="0"/>
-          </a:p>
-          <a:p>
-            <a:r>
-              <a:rPr lang="en-US" dirty="0"/>
-              <a:t>coordinates = coordinates(point)</a:t>
-            </a:r>
-          </a:p>
-          <a:p>
-            <a:endParaRPr lang="en-US" dirty="0"/>
-          </a:p>
-          <a:p>
-            <a:r>
-              <a:rPr lang="en-US" dirty="0"/>
-              <a:t>## Dump to text file - Put in your path and file name</a:t>
-            </a:r>
-          </a:p>
-          <a:p>
-            <a:endParaRPr lang="en-US" dirty="0"/>
-          </a:p>
-          <a:p>
-            <a:r>
-              <a:rPr lang="en-US" sz="1400" dirty="0" err="1"/>
-              <a:t>write.table</a:t>
-            </a:r>
-            <a:r>
-              <a:rPr lang="en-US" sz="1400" dirty="0"/>
-              <a:t>(point, file = "C:/WorkSpace/output_clhs.txt", </a:t>
-            </a:r>
-            <a:r>
-              <a:rPr lang="en-US" sz="1400" dirty="0" err="1"/>
-              <a:t>sep</a:t>
-            </a:r>
-            <a:r>
-              <a:rPr lang="en-US" sz="1400" dirty="0"/>
-              <a:t> = ",", </a:t>
-            </a:r>
-            <a:r>
-              <a:rPr lang="en-US" sz="1400" dirty="0" err="1"/>
-              <a:t>col.names</a:t>
-            </a:r>
-            <a:r>
-              <a:rPr lang="en-US" sz="1400" dirty="0"/>
-              <a:t> = NA, </a:t>
-            </a:r>
-            <a:r>
-              <a:rPr lang="en-US" sz="1400" dirty="0" err="1"/>
-              <a:t>qmethod</a:t>
-            </a:r>
-            <a:r>
-              <a:rPr lang="en-US" sz="1400" dirty="0"/>
-              <a:t> = "double")</a:t>
-            </a:r>
-          </a:p>
-        </p:txBody>
-      </p:sp>
-    </p:spTree>
-    <p:extLst>
-      <p:ext uri="{BB962C8B-B14F-4D97-AF65-F5344CB8AC3E}">
-        <p14:creationId xmlns:p14="http://schemas.microsoft.com/office/powerpoint/2010/main" val="3203685964"/>
-      </p:ext>
-    </p:extLst>
-  </p:cSld>
-  <p:clrMapOvr>
-    <a:masterClrMapping/>
-  </p:clrMapOvr>
-</p:sld>
-</file>
-
-<file path=ppt/slides/slide16.xml><?xml version="1.0" encoding="utf-8"?>
 <p:sld xmlns:a="http://schemas.openxmlformats.org/drawingml/2006/main" xmlns:r="http://schemas.openxmlformats.org/officeDocument/2006/relationships" xmlns:p="http://schemas.openxmlformats.org/presentationml/2006/main">
   <p:cSld>
     <p:spTree>
@@ -7127,7 +6216,7 @@
 </p:sld>
 </file>
 
-<file path=ppt/slides/slide17.xml><?xml version="1.0" encoding="utf-8"?>
+<file path=ppt/slides/slide15.xml><?xml version="1.0" encoding="utf-8"?>
 <p:sld xmlns:a="http://schemas.openxmlformats.org/drawingml/2006/main" xmlns:r="http://schemas.openxmlformats.org/officeDocument/2006/relationships" xmlns:p="http://schemas.openxmlformats.org/presentationml/2006/main">
   <p:cSld>
     <p:spTree>
@@ -9205,8 +8294,28 @@
           </a:p>
           <a:p>
             <a:r>
+              <a:rPr lang="en-US" sz="2800" dirty="0"/>
+              <a:t>U</a:t>
+            </a:r>
+            <a:r>
               <a:rPr lang="en-US" sz="2800" dirty="0" smtClean="0"/>
-              <a:t>Blindly using resample or aggregate to a random output resolution would alter output  data values with no correspondence between training point and the 5m cell values</a:t>
+              <a:t>sing </a:t>
+            </a:r>
+            <a:r>
+              <a:rPr lang="en-US" sz="2800" b="1" dirty="0" smtClean="0"/>
+              <a:t>resample</a:t>
+            </a:r>
+            <a:r>
+              <a:rPr lang="en-US" sz="2800" dirty="0" smtClean="0"/>
+              <a:t> or </a:t>
+            </a:r>
+            <a:r>
+              <a:rPr lang="en-US" sz="2800" b="1" dirty="0" smtClean="0"/>
+              <a:t>aggregate</a:t>
+            </a:r>
+            <a:r>
+              <a:rPr lang="en-US" sz="2800" dirty="0" smtClean="0"/>
+              <a:t> to a random output resolution would alter output  data values with no correspondence between training point and the 5m cell values</a:t>
             </a:r>
           </a:p>
           <a:p>
@@ -9491,7 +8600,15 @@
           <a:p>
             <a:r>
               <a:rPr lang="en-US" sz="2800" dirty="0" smtClean="0"/>
-              <a:t>Resampling to resolutions that are odd, e.g. 3x,5x,7x,9x… will insure that the center coordinate of output cells will be coincident with input cells provided:</a:t>
+              <a:t>Resampling to resolutions that are odd, e.g. 3x,5x,7x,9x… will insure </a:t>
+            </a:r>
+            <a:r>
+              <a:rPr lang="en-US" sz="2800" dirty="0" smtClean="0"/>
+              <a:t>co-registration </a:t>
+            </a:r>
+            <a:r>
+              <a:rPr lang="en-US" sz="2800" dirty="0" smtClean="0"/>
+              <a:t>with input cells provided:</a:t>
             </a:r>
           </a:p>
           <a:p>
